--- a/presentation.pptx
+++ b/presentation.pptx
@@ -3188,7 +3188,7 @@
           <a:lstStyle/>
           <a:p>
             <a:r>
-              <a:t>Общее количество записей: 90</a:t>
+              <a:t>Общее количество записей: 7639</a:t>
             </a:r>
           </a:p>
         </p:txBody>
